--- a/2025/0311_VSLiveLasVegas/Contributing to Microsoft Learn/VSLive Vegas 25 - Become a MS Learn Contributor_AlvinAshcraft.pptx
+++ b/2025/0311_VSLiveLasVegas/Contributing to Microsoft Learn/VSLive Vegas 25 - Become a MS Learn Contributor_AlvinAshcraft.pptx
@@ -1,6 +1,6 @@
 
 <file path=ppt/presentation.xml><?xml version="1.0" encoding="utf-8"?>
-<p:presentation xmlns:a="http://schemas.openxmlformats.org/drawingml/2006/main" xmlns:r="http://schemas.openxmlformats.org/officeDocument/2006/relationships" xmlns:p="http://schemas.openxmlformats.org/presentationml/2006/main" removePersonalInfoOnSave="1" saveSubsetFonts="1">
+<p:presentation xmlns:a="http://schemas.openxmlformats.org/drawingml/2006/main" xmlns:r="http://schemas.openxmlformats.org/officeDocument/2006/relationships" xmlns:p="http://schemas.openxmlformats.org/presentationml/2006/main" saveSubsetFonts="1">
   <p:sldMasterIdLst>
     <p:sldMasterId id="2147483682" r:id="rId1"/>
     <p:sldMasterId id="2147483760" r:id="rId2"/>
@@ -5306,7 +5306,7 @@
           <a:p>
             <a:fld id="{D088F999-7A4E-6B4F-9FED-EF75B73AD044}" type="datetimeFigureOut">
               <a:rPr lang="en-US" smtClean="0"/>
-              <a:t>1/31/2025</a:t>
+              <a:t>3/1/2025</a:t>
             </a:fld>
             <a:endParaRPr lang="en-US"/>
           </a:p>
@@ -5474,7 +5474,7 @@
           <a:p>
             <a:fld id="{D088F999-7A4E-6B4F-9FED-EF75B73AD044}" type="datetimeFigureOut">
               <a:rPr lang="en-US" smtClean="0"/>
-              <a:t>1/31/2025</a:t>
+              <a:t>3/1/2025</a:t>
             </a:fld>
             <a:endParaRPr lang="en-US"/>
           </a:p>
@@ -5652,7 +5652,7 @@
           <a:p>
             <a:fld id="{D088F999-7A4E-6B4F-9FED-EF75B73AD044}" type="datetimeFigureOut">
               <a:rPr lang="en-US" smtClean="0"/>
-              <a:t>1/31/2025</a:t>
+              <a:t>3/1/2025</a:t>
             </a:fld>
             <a:endParaRPr lang="en-US"/>
           </a:p>
@@ -5821,7 +5821,7 @@
             <a:fld id="{3FE51E94-D08C-431E-88FC-7EB62E529A19}" type="datetimeFigureOut">
               <a:rPr lang="en-US" smtClean="0"/>
               <a:pPr/>
-              <a:t>1/31/2025</a:t>
+              <a:t>3/1/2025</a:t>
             </a:fld>
             <a:endParaRPr lang="en-US"/>
           </a:p>
@@ -5990,7 +5990,7 @@
           <a:p>
             <a:fld id="{D088F999-7A4E-6B4F-9FED-EF75B73AD044}" type="datetimeFigureOut">
               <a:rPr lang="en-US" smtClean="0"/>
-              <a:t>1/31/2025</a:t>
+              <a:t>3/1/2025</a:t>
             </a:fld>
             <a:endParaRPr lang="en-US"/>
           </a:p>
@@ -6235,7 +6235,7 @@
           <a:p>
             <a:fld id="{D088F999-7A4E-6B4F-9FED-EF75B73AD044}" type="datetimeFigureOut">
               <a:rPr lang="en-US" smtClean="0"/>
-              <a:t>1/31/2025</a:t>
+              <a:t>3/1/2025</a:t>
             </a:fld>
             <a:endParaRPr lang="en-US"/>
           </a:p>
@@ -6520,7 +6520,7 @@
           <a:p>
             <a:fld id="{D088F999-7A4E-6B4F-9FED-EF75B73AD044}" type="datetimeFigureOut">
               <a:rPr lang="en-US" smtClean="0"/>
-              <a:t>1/31/2025</a:t>
+              <a:t>3/1/2025</a:t>
             </a:fld>
             <a:endParaRPr lang="en-US"/>
           </a:p>
@@ -6939,7 +6939,7 @@
           <a:p>
             <a:fld id="{D088F999-7A4E-6B4F-9FED-EF75B73AD044}" type="datetimeFigureOut">
               <a:rPr lang="en-US" smtClean="0"/>
-              <a:t>1/31/2025</a:t>
+              <a:t>3/1/2025</a:t>
             </a:fld>
             <a:endParaRPr lang="en-US"/>
           </a:p>
@@ -7056,7 +7056,7 @@
           <a:p>
             <a:fld id="{D088F999-7A4E-6B4F-9FED-EF75B73AD044}" type="datetimeFigureOut">
               <a:rPr lang="en-US" smtClean="0"/>
-              <a:t>1/31/2025</a:t>
+              <a:t>3/1/2025</a:t>
             </a:fld>
             <a:endParaRPr lang="en-US"/>
           </a:p>
@@ -7151,7 +7151,7 @@
           <a:p>
             <a:fld id="{D088F999-7A4E-6B4F-9FED-EF75B73AD044}" type="datetimeFigureOut">
               <a:rPr lang="en-US" smtClean="0"/>
-              <a:t>1/31/2025</a:t>
+              <a:t>3/1/2025</a:t>
             </a:fld>
             <a:endParaRPr lang="en-US"/>
           </a:p>
@@ -7426,7 +7426,7 @@
           <a:p>
             <a:fld id="{D088F999-7A4E-6B4F-9FED-EF75B73AD044}" type="datetimeFigureOut">
               <a:rPr lang="en-US" smtClean="0"/>
-              <a:t>1/31/2025</a:t>
+              <a:t>3/1/2025</a:t>
             </a:fld>
             <a:endParaRPr lang="en-US"/>
           </a:p>
@@ -7678,7 +7678,7 @@
           <a:p>
             <a:fld id="{D088F999-7A4E-6B4F-9FED-EF75B73AD044}" type="datetimeFigureOut">
               <a:rPr lang="en-US" smtClean="0"/>
-              <a:t>1/31/2025</a:t>
+              <a:t>3/1/2025</a:t>
             </a:fld>
             <a:endParaRPr lang="en-US"/>
           </a:p>
@@ -7898,7 +7898,7 @@
           <a:p>
             <a:fld id="{D088F999-7A4E-6B4F-9FED-EF75B73AD044}" type="datetimeFigureOut">
               <a:rPr lang="en-US" smtClean="0"/>
-              <a:t>1/31/2025</a:t>
+              <a:t>3/1/2025</a:t>
             </a:fld>
             <a:endParaRPr lang="en-US"/>
           </a:p>
@@ -8415,7 +8415,7 @@
           <a:p>
             <a:fld id="{D088F999-7A4E-6B4F-9FED-EF75B73AD044}" type="datetimeFigureOut">
               <a:rPr lang="en-US" smtClean="0"/>
-              <a:t>1/31/2025</a:t>
+              <a:t>3/1/2025</a:t>
             </a:fld>
             <a:endParaRPr lang="en-US"/>
           </a:p>
@@ -9372,6 +9372,40 @@
 <file path=ppt/slides/slide10.xml><?xml version="1.0" encoding="utf-8"?>
 <p:sld xmlns:a="http://schemas.openxmlformats.org/drawingml/2006/main" xmlns:r="http://schemas.openxmlformats.org/officeDocument/2006/relationships" xmlns:p="http://schemas.openxmlformats.org/presentationml/2006/main">
   <p:cSld>
+    <p:bg>
+      <p:bgPr>
+        <a:gradFill>
+          <a:gsLst>
+            <a:gs pos="0">
+              <a:schemeClr val="accent2">
+                <a:lumMod val="5000"/>
+                <a:lumOff val="95000"/>
+              </a:schemeClr>
+            </a:gs>
+            <a:gs pos="74000">
+              <a:schemeClr val="accent2">
+                <a:lumMod val="45000"/>
+                <a:lumOff val="55000"/>
+              </a:schemeClr>
+            </a:gs>
+            <a:gs pos="83000">
+              <a:schemeClr val="accent2">
+                <a:lumMod val="45000"/>
+                <a:lumOff val="55000"/>
+              </a:schemeClr>
+            </a:gs>
+            <a:gs pos="100000">
+              <a:schemeClr val="accent2">
+                <a:lumMod val="30000"/>
+                <a:lumOff val="70000"/>
+              </a:schemeClr>
+            </a:gs>
+          </a:gsLst>
+          <a:lin ang="5400000" scaled="1"/>
+        </a:gradFill>
+        <a:effectLst/>
+      </p:bgPr>
+    </p:bg>
     <p:spTree>
       <p:nvGrpSpPr>
         <p:cNvPr id="1" name=""/>
@@ -9489,6 +9523,40 @@
 <file path=ppt/slides/slide11.xml><?xml version="1.0" encoding="utf-8"?>
 <p:sld xmlns:a="http://schemas.openxmlformats.org/drawingml/2006/main" xmlns:r="http://schemas.openxmlformats.org/officeDocument/2006/relationships" xmlns:p="http://schemas.openxmlformats.org/presentationml/2006/main">
   <p:cSld>
+    <p:bg>
+      <p:bgPr>
+        <a:gradFill>
+          <a:gsLst>
+            <a:gs pos="0">
+              <a:schemeClr val="accent2">
+                <a:lumMod val="5000"/>
+                <a:lumOff val="95000"/>
+              </a:schemeClr>
+            </a:gs>
+            <a:gs pos="74000">
+              <a:schemeClr val="accent2">
+                <a:lumMod val="45000"/>
+                <a:lumOff val="55000"/>
+              </a:schemeClr>
+            </a:gs>
+            <a:gs pos="83000">
+              <a:schemeClr val="accent2">
+                <a:lumMod val="45000"/>
+                <a:lumOff val="55000"/>
+              </a:schemeClr>
+            </a:gs>
+            <a:gs pos="100000">
+              <a:schemeClr val="accent2">
+                <a:lumMod val="30000"/>
+                <a:lumOff val="70000"/>
+              </a:schemeClr>
+            </a:gs>
+          </a:gsLst>
+          <a:lin ang="5400000" scaled="1"/>
+        </a:gradFill>
+        <a:effectLst/>
+      </p:bgPr>
+    </p:bg>
     <p:spTree>
       <p:nvGrpSpPr>
         <p:cNvPr id="1" name=""/>
@@ -9615,6 +9683,40 @@
 <file path=ppt/slides/slide12.xml><?xml version="1.0" encoding="utf-8"?>
 <p:sld xmlns:a="http://schemas.openxmlformats.org/drawingml/2006/main" xmlns:r="http://schemas.openxmlformats.org/officeDocument/2006/relationships" xmlns:p="http://schemas.openxmlformats.org/presentationml/2006/main">
   <p:cSld>
+    <p:bg>
+      <p:bgPr>
+        <a:gradFill>
+          <a:gsLst>
+            <a:gs pos="0">
+              <a:schemeClr val="accent2">
+                <a:lumMod val="5000"/>
+                <a:lumOff val="95000"/>
+              </a:schemeClr>
+            </a:gs>
+            <a:gs pos="74000">
+              <a:schemeClr val="accent2">
+                <a:lumMod val="45000"/>
+                <a:lumOff val="55000"/>
+              </a:schemeClr>
+            </a:gs>
+            <a:gs pos="83000">
+              <a:schemeClr val="accent2">
+                <a:lumMod val="45000"/>
+                <a:lumOff val="55000"/>
+              </a:schemeClr>
+            </a:gs>
+            <a:gs pos="100000">
+              <a:schemeClr val="accent2">
+                <a:lumMod val="30000"/>
+                <a:lumOff val="70000"/>
+              </a:schemeClr>
+            </a:gs>
+          </a:gsLst>
+          <a:lin ang="5400000" scaled="1"/>
+        </a:gradFill>
+        <a:effectLst/>
+      </p:bgPr>
+    </p:bg>
     <p:spTree>
       <p:nvGrpSpPr>
         <p:cNvPr id="1" name=""/>
@@ -9756,6 +9858,40 @@
 <file path=ppt/slides/slide13.xml><?xml version="1.0" encoding="utf-8"?>
 <p:sld xmlns:a="http://schemas.openxmlformats.org/drawingml/2006/main" xmlns:r="http://schemas.openxmlformats.org/officeDocument/2006/relationships" xmlns:p="http://schemas.openxmlformats.org/presentationml/2006/main">
   <p:cSld>
+    <p:bg>
+      <p:bgPr>
+        <a:gradFill>
+          <a:gsLst>
+            <a:gs pos="0">
+              <a:schemeClr val="accent2">
+                <a:lumMod val="5000"/>
+                <a:lumOff val="95000"/>
+              </a:schemeClr>
+            </a:gs>
+            <a:gs pos="74000">
+              <a:schemeClr val="accent2">
+                <a:lumMod val="45000"/>
+                <a:lumOff val="55000"/>
+              </a:schemeClr>
+            </a:gs>
+            <a:gs pos="83000">
+              <a:schemeClr val="accent2">
+                <a:lumMod val="45000"/>
+                <a:lumOff val="55000"/>
+              </a:schemeClr>
+            </a:gs>
+            <a:gs pos="100000">
+              <a:schemeClr val="accent2">
+                <a:lumMod val="30000"/>
+                <a:lumOff val="70000"/>
+              </a:schemeClr>
+            </a:gs>
+          </a:gsLst>
+          <a:lin ang="5400000" scaled="1"/>
+        </a:gradFill>
+        <a:effectLst/>
+      </p:bgPr>
+    </p:bg>
     <p:spTree>
       <p:nvGrpSpPr>
         <p:cNvPr id="1" name=""/>
@@ -9874,6 +10010,40 @@
 <file path=ppt/slides/slide14.xml><?xml version="1.0" encoding="utf-8"?>
 <p:sld xmlns:a="http://schemas.openxmlformats.org/drawingml/2006/main" xmlns:r="http://schemas.openxmlformats.org/officeDocument/2006/relationships" xmlns:p="http://schemas.openxmlformats.org/presentationml/2006/main">
   <p:cSld>
+    <p:bg>
+      <p:bgPr>
+        <a:gradFill>
+          <a:gsLst>
+            <a:gs pos="0">
+              <a:schemeClr val="accent2">
+                <a:lumMod val="5000"/>
+                <a:lumOff val="95000"/>
+              </a:schemeClr>
+            </a:gs>
+            <a:gs pos="74000">
+              <a:schemeClr val="accent2">
+                <a:lumMod val="45000"/>
+                <a:lumOff val="55000"/>
+              </a:schemeClr>
+            </a:gs>
+            <a:gs pos="83000">
+              <a:schemeClr val="accent2">
+                <a:lumMod val="45000"/>
+                <a:lumOff val="55000"/>
+              </a:schemeClr>
+            </a:gs>
+            <a:gs pos="100000">
+              <a:schemeClr val="accent2">
+                <a:lumMod val="30000"/>
+                <a:lumOff val="70000"/>
+              </a:schemeClr>
+            </a:gs>
+          </a:gsLst>
+          <a:lin ang="5400000" scaled="1"/>
+        </a:gradFill>
+        <a:effectLst/>
+      </p:bgPr>
+    </p:bg>
     <p:spTree>
       <p:nvGrpSpPr>
         <p:cNvPr id="1" name=""/>
@@ -10029,6 +10199,40 @@
 <file path=ppt/slides/slide15.xml><?xml version="1.0" encoding="utf-8"?>
 <p:sld xmlns:a="http://schemas.openxmlformats.org/drawingml/2006/main" xmlns:r="http://schemas.openxmlformats.org/officeDocument/2006/relationships" xmlns:p="http://schemas.openxmlformats.org/presentationml/2006/main">
   <p:cSld>
+    <p:bg>
+      <p:bgPr>
+        <a:gradFill>
+          <a:gsLst>
+            <a:gs pos="0">
+              <a:schemeClr val="accent2">
+                <a:lumMod val="5000"/>
+                <a:lumOff val="95000"/>
+              </a:schemeClr>
+            </a:gs>
+            <a:gs pos="74000">
+              <a:schemeClr val="accent2">
+                <a:lumMod val="45000"/>
+                <a:lumOff val="55000"/>
+              </a:schemeClr>
+            </a:gs>
+            <a:gs pos="83000">
+              <a:schemeClr val="accent2">
+                <a:lumMod val="45000"/>
+                <a:lumOff val="55000"/>
+              </a:schemeClr>
+            </a:gs>
+            <a:gs pos="100000">
+              <a:schemeClr val="accent2">
+                <a:lumMod val="30000"/>
+                <a:lumOff val="70000"/>
+              </a:schemeClr>
+            </a:gs>
+          </a:gsLst>
+          <a:lin ang="5400000" scaled="1"/>
+        </a:gradFill>
+        <a:effectLst/>
+      </p:bgPr>
+    </p:bg>
     <p:spTree>
       <p:nvGrpSpPr>
         <p:cNvPr id="1" name=""/>
@@ -10269,6 +10473,40 @@
 <file path=ppt/slides/slide16.xml><?xml version="1.0" encoding="utf-8"?>
 <p:sld xmlns:a="http://schemas.openxmlformats.org/drawingml/2006/main" xmlns:r="http://schemas.openxmlformats.org/officeDocument/2006/relationships" xmlns:p="http://schemas.openxmlformats.org/presentationml/2006/main">
   <p:cSld>
+    <p:bg>
+      <p:bgPr>
+        <a:gradFill>
+          <a:gsLst>
+            <a:gs pos="0">
+              <a:schemeClr val="accent2">
+                <a:lumMod val="5000"/>
+                <a:lumOff val="95000"/>
+              </a:schemeClr>
+            </a:gs>
+            <a:gs pos="74000">
+              <a:schemeClr val="accent2">
+                <a:lumMod val="45000"/>
+                <a:lumOff val="55000"/>
+              </a:schemeClr>
+            </a:gs>
+            <a:gs pos="83000">
+              <a:schemeClr val="accent2">
+                <a:lumMod val="45000"/>
+                <a:lumOff val="55000"/>
+              </a:schemeClr>
+            </a:gs>
+            <a:gs pos="100000">
+              <a:schemeClr val="accent2">
+                <a:lumMod val="30000"/>
+                <a:lumOff val="70000"/>
+              </a:schemeClr>
+            </a:gs>
+          </a:gsLst>
+          <a:lin ang="5400000" scaled="1"/>
+        </a:gradFill>
+        <a:effectLst/>
+      </p:bgPr>
+    </p:bg>
     <p:spTree>
       <p:nvGrpSpPr>
         <p:cNvPr id="1" name=""/>
@@ -10333,7 +10571,14 @@
           <a:lstStyle/>
           <a:p>
             <a:r>
-              <a:rPr lang="en-US" dirty="0"/>
+              <a:rPr lang="en-US" dirty="0">
+                <a:solidFill>
+                  <a:schemeClr val="tx1">
+                    <a:lumMod val="85000"/>
+                    <a:lumOff val="15000"/>
+                  </a:schemeClr>
+                </a:solidFill>
+              </a:rPr>
               <a:t>Working locally with public and private repos</a:t>
             </a:r>
           </a:p>
@@ -10355,6 +10600,40 @@
 <file path=ppt/slides/slide17.xml><?xml version="1.0" encoding="utf-8"?>
 <p:sld xmlns:a="http://schemas.openxmlformats.org/drawingml/2006/main" xmlns:r="http://schemas.openxmlformats.org/officeDocument/2006/relationships" xmlns:p="http://schemas.openxmlformats.org/presentationml/2006/main">
   <p:cSld>
+    <p:bg>
+      <p:bgPr>
+        <a:gradFill>
+          <a:gsLst>
+            <a:gs pos="0">
+              <a:schemeClr val="accent2">
+                <a:lumMod val="5000"/>
+                <a:lumOff val="95000"/>
+              </a:schemeClr>
+            </a:gs>
+            <a:gs pos="74000">
+              <a:schemeClr val="accent2">
+                <a:lumMod val="45000"/>
+                <a:lumOff val="55000"/>
+              </a:schemeClr>
+            </a:gs>
+            <a:gs pos="83000">
+              <a:schemeClr val="accent2">
+                <a:lumMod val="45000"/>
+                <a:lumOff val="55000"/>
+              </a:schemeClr>
+            </a:gs>
+            <a:gs pos="100000">
+              <a:schemeClr val="accent2">
+                <a:lumMod val="30000"/>
+                <a:lumOff val="70000"/>
+              </a:schemeClr>
+            </a:gs>
+          </a:gsLst>
+          <a:lin ang="5400000" scaled="1"/>
+        </a:gradFill>
+        <a:effectLst/>
+      </p:bgPr>
+    </p:bg>
     <p:spTree>
       <p:nvGrpSpPr>
         <p:cNvPr id="1" name=""/>
@@ -10455,6 +10734,40 @@
 <file path=ppt/slides/slide18.xml><?xml version="1.0" encoding="utf-8"?>
 <p:sld xmlns:a="http://schemas.openxmlformats.org/drawingml/2006/main" xmlns:r="http://schemas.openxmlformats.org/officeDocument/2006/relationships" xmlns:p="http://schemas.openxmlformats.org/presentationml/2006/main">
   <p:cSld>
+    <p:bg>
+      <p:bgPr>
+        <a:gradFill>
+          <a:gsLst>
+            <a:gs pos="0">
+              <a:schemeClr val="accent2">
+                <a:lumMod val="5000"/>
+                <a:lumOff val="95000"/>
+              </a:schemeClr>
+            </a:gs>
+            <a:gs pos="74000">
+              <a:schemeClr val="accent2">
+                <a:lumMod val="45000"/>
+                <a:lumOff val="55000"/>
+              </a:schemeClr>
+            </a:gs>
+            <a:gs pos="83000">
+              <a:schemeClr val="accent2">
+                <a:lumMod val="45000"/>
+                <a:lumOff val="55000"/>
+              </a:schemeClr>
+            </a:gs>
+            <a:gs pos="100000">
+              <a:schemeClr val="accent2">
+                <a:lumMod val="30000"/>
+                <a:lumOff val="70000"/>
+              </a:schemeClr>
+            </a:gs>
+          </a:gsLst>
+          <a:lin ang="5400000" scaled="1"/>
+        </a:gradFill>
+        <a:effectLst/>
+      </p:bgPr>
+    </p:bg>
     <p:spTree>
       <p:nvGrpSpPr>
         <p:cNvPr id="1" name=""/>
@@ -10591,6 +10904,40 @@
 <file path=ppt/slides/slide19.xml><?xml version="1.0" encoding="utf-8"?>
 <p:sld xmlns:a="http://schemas.openxmlformats.org/drawingml/2006/main" xmlns:r="http://schemas.openxmlformats.org/officeDocument/2006/relationships" xmlns:p="http://schemas.openxmlformats.org/presentationml/2006/main">
   <p:cSld>
+    <p:bg>
+      <p:bgPr>
+        <a:gradFill>
+          <a:gsLst>
+            <a:gs pos="0">
+              <a:schemeClr val="accent2">
+                <a:lumMod val="5000"/>
+                <a:lumOff val="95000"/>
+              </a:schemeClr>
+            </a:gs>
+            <a:gs pos="74000">
+              <a:schemeClr val="accent2">
+                <a:lumMod val="45000"/>
+                <a:lumOff val="55000"/>
+              </a:schemeClr>
+            </a:gs>
+            <a:gs pos="83000">
+              <a:schemeClr val="accent2">
+                <a:lumMod val="45000"/>
+                <a:lumOff val="55000"/>
+              </a:schemeClr>
+            </a:gs>
+            <a:gs pos="100000">
+              <a:schemeClr val="accent2">
+                <a:lumMod val="30000"/>
+                <a:lumOff val="70000"/>
+              </a:schemeClr>
+            </a:gs>
+          </a:gsLst>
+          <a:lin ang="5400000" scaled="1"/>
+        </a:gradFill>
+        <a:effectLst/>
+      </p:bgPr>
+    </p:bg>
     <p:spTree>
       <p:nvGrpSpPr>
         <p:cNvPr id="1" name=""/>
@@ -10761,6 +11108,41 @@
 <file path=ppt/slides/slide2.xml><?xml version="1.0" encoding="utf-8"?>
 <p:sld xmlns:a="http://schemas.openxmlformats.org/drawingml/2006/main" xmlns:r="http://schemas.openxmlformats.org/officeDocument/2006/relationships" xmlns:p="http://schemas.openxmlformats.org/presentationml/2006/main">
   <p:cSld>
+    <p:bg>
+      <p:bgPr>
+        <a:gradFill flip="none" rotWithShape="1">
+          <a:gsLst>
+            <a:gs pos="0">
+              <a:schemeClr val="accent2">
+                <a:lumMod val="5000"/>
+                <a:lumOff val="95000"/>
+              </a:schemeClr>
+            </a:gs>
+            <a:gs pos="74000">
+              <a:schemeClr val="accent2">
+                <a:lumMod val="45000"/>
+                <a:lumOff val="55000"/>
+              </a:schemeClr>
+            </a:gs>
+            <a:gs pos="83000">
+              <a:schemeClr val="accent2">
+                <a:lumMod val="45000"/>
+                <a:lumOff val="55000"/>
+              </a:schemeClr>
+            </a:gs>
+            <a:gs pos="100000">
+              <a:schemeClr val="accent2">
+                <a:lumMod val="30000"/>
+                <a:lumOff val="70000"/>
+              </a:schemeClr>
+            </a:gs>
+          </a:gsLst>
+          <a:lin ang="5400000" scaled="1"/>
+          <a:tileRect/>
+        </a:gradFill>
+        <a:effectLst/>
+      </p:bgPr>
+    </p:bg>
     <p:spTree>
       <p:nvGrpSpPr>
         <p:cNvPr id="1" name=""/>
@@ -11058,6 +11440,40 @@
 <file path=ppt/slides/slide20.xml><?xml version="1.0" encoding="utf-8"?>
 <p:sld xmlns:a="http://schemas.openxmlformats.org/drawingml/2006/main" xmlns:r="http://schemas.openxmlformats.org/officeDocument/2006/relationships" xmlns:p="http://schemas.openxmlformats.org/presentationml/2006/main">
   <p:cSld>
+    <p:bg>
+      <p:bgPr>
+        <a:gradFill>
+          <a:gsLst>
+            <a:gs pos="0">
+              <a:schemeClr val="accent2">
+                <a:lumMod val="5000"/>
+                <a:lumOff val="95000"/>
+              </a:schemeClr>
+            </a:gs>
+            <a:gs pos="74000">
+              <a:schemeClr val="accent2">
+                <a:lumMod val="45000"/>
+                <a:lumOff val="55000"/>
+              </a:schemeClr>
+            </a:gs>
+            <a:gs pos="83000">
+              <a:schemeClr val="accent2">
+                <a:lumMod val="45000"/>
+                <a:lumOff val="55000"/>
+              </a:schemeClr>
+            </a:gs>
+            <a:gs pos="100000">
+              <a:schemeClr val="accent2">
+                <a:lumMod val="30000"/>
+                <a:lumOff val="70000"/>
+              </a:schemeClr>
+            </a:gs>
+          </a:gsLst>
+          <a:lin ang="5400000" scaled="1"/>
+        </a:gradFill>
+        <a:effectLst/>
+      </p:bgPr>
+    </p:bg>
     <p:spTree>
       <p:nvGrpSpPr>
         <p:cNvPr id="1" name=""/>
@@ -11173,6 +11589,40 @@
 <file path=ppt/slides/slide21.xml><?xml version="1.0" encoding="utf-8"?>
 <p:sld xmlns:a="http://schemas.openxmlformats.org/drawingml/2006/main" xmlns:r="http://schemas.openxmlformats.org/officeDocument/2006/relationships" xmlns:p="http://schemas.openxmlformats.org/presentationml/2006/main">
   <p:cSld>
+    <p:bg>
+      <p:bgPr>
+        <a:gradFill>
+          <a:gsLst>
+            <a:gs pos="0">
+              <a:schemeClr val="accent2">
+                <a:lumMod val="5000"/>
+                <a:lumOff val="95000"/>
+              </a:schemeClr>
+            </a:gs>
+            <a:gs pos="74000">
+              <a:schemeClr val="accent2">
+                <a:lumMod val="45000"/>
+                <a:lumOff val="55000"/>
+              </a:schemeClr>
+            </a:gs>
+            <a:gs pos="83000">
+              <a:schemeClr val="accent2">
+                <a:lumMod val="45000"/>
+                <a:lumOff val="55000"/>
+              </a:schemeClr>
+            </a:gs>
+            <a:gs pos="100000">
+              <a:schemeClr val="accent2">
+                <a:lumMod val="30000"/>
+                <a:lumOff val="70000"/>
+              </a:schemeClr>
+            </a:gs>
+          </a:gsLst>
+          <a:lin ang="5400000" scaled="1"/>
+        </a:gradFill>
+        <a:effectLst/>
+      </p:bgPr>
+    </p:bg>
     <p:spTree>
       <p:nvGrpSpPr>
         <p:cNvPr id="1" name=""/>
@@ -11237,7 +11687,14 @@
           <a:lstStyle/>
           <a:p>
             <a:r>
-              <a:rPr lang="en-US" dirty="0"/>
+              <a:rPr lang="en-US" dirty="0">
+                <a:solidFill>
+                  <a:schemeClr val="tx1">
+                    <a:lumMod val="85000"/>
+                    <a:lumOff val="15000"/>
+                  </a:schemeClr>
+                </a:solidFill>
+              </a:rPr>
               <a:t>Wrapping up with links and questions!</a:t>
             </a:r>
           </a:p>
@@ -11259,6 +11716,40 @@
 <file path=ppt/slides/slide22.xml><?xml version="1.0" encoding="utf-8"?>
 <p:sld xmlns:a="http://schemas.openxmlformats.org/drawingml/2006/main" xmlns:r="http://schemas.openxmlformats.org/officeDocument/2006/relationships" xmlns:p="http://schemas.openxmlformats.org/presentationml/2006/main">
   <p:cSld>
+    <p:bg>
+      <p:bgPr>
+        <a:gradFill>
+          <a:gsLst>
+            <a:gs pos="0">
+              <a:schemeClr val="accent2">
+                <a:lumMod val="5000"/>
+                <a:lumOff val="95000"/>
+              </a:schemeClr>
+            </a:gs>
+            <a:gs pos="74000">
+              <a:schemeClr val="accent2">
+                <a:lumMod val="45000"/>
+                <a:lumOff val="55000"/>
+              </a:schemeClr>
+            </a:gs>
+            <a:gs pos="83000">
+              <a:schemeClr val="accent2">
+                <a:lumMod val="45000"/>
+                <a:lumOff val="55000"/>
+              </a:schemeClr>
+            </a:gs>
+            <a:gs pos="100000">
+              <a:schemeClr val="accent2">
+                <a:lumMod val="30000"/>
+                <a:lumOff val="70000"/>
+              </a:schemeClr>
+            </a:gs>
+          </a:gsLst>
+          <a:lin ang="5400000" scaled="1"/>
+        </a:gradFill>
+        <a:effectLst/>
+      </p:bgPr>
+    </p:bg>
     <p:spTree>
       <p:nvGrpSpPr>
         <p:cNvPr id="1" name=""/>
@@ -11453,6 +11944,40 @@
 <file path=ppt/slides/slide23.xml><?xml version="1.0" encoding="utf-8"?>
 <p:sld xmlns:a="http://schemas.openxmlformats.org/drawingml/2006/main" xmlns:r="http://schemas.openxmlformats.org/officeDocument/2006/relationships" xmlns:p="http://schemas.openxmlformats.org/presentationml/2006/main">
   <p:cSld>
+    <p:bg>
+      <p:bgPr>
+        <a:gradFill>
+          <a:gsLst>
+            <a:gs pos="0">
+              <a:schemeClr val="accent2">
+                <a:lumMod val="5000"/>
+                <a:lumOff val="95000"/>
+              </a:schemeClr>
+            </a:gs>
+            <a:gs pos="74000">
+              <a:schemeClr val="accent2">
+                <a:lumMod val="45000"/>
+                <a:lumOff val="55000"/>
+              </a:schemeClr>
+            </a:gs>
+            <a:gs pos="83000">
+              <a:schemeClr val="accent2">
+                <a:lumMod val="45000"/>
+                <a:lumOff val="55000"/>
+              </a:schemeClr>
+            </a:gs>
+            <a:gs pos="100000">
+              <a:schemeClr val="accent2">
+                <a:lumMod val="30000"/>
+                <a:lumOff val="70000"/>
+              </a:schemeClr>
+            </a:gs>
+          </a:gsLst>
+          <a:lin ang="5400000" scaled="1"/>
+        </a:gradFill>
+        <a:effectLst/>
+      </p:bgPr>
+    </p:bg>
     <p:spTree>
       <p:nvGrpSpPr>
         <p:cNvPr id="1" name=""/>
@@ -11584,6 +12109,40 @@
 <file path=ppt/slides/slide24.xml><?xml version="1.0" encoding="utf-8"?>
 <p:sld xmlns:a="http://schemas.openxmlformats.org/drawingml/2006/main" xmlns:r="http://schemas.openxmlformats.org/officeDocument/2006/relationships" xmlns:p="http://schemas.openxmlformats.org/presentationml/2006/main">
   <p:cSld>
+    <p:bg>
+      <p:bgPr>
+        <a:gradFill>
+          <a:gsLst>
+            <a:gs pos="0">
+              <a:schemeClr val="accent2">
+                <a:lumMod val="5000"/>
+                <a:lumOff val="95000"/>
+              </a:schemeClr>
+            </a:gs>
+            <a:gs pos="74000">
+              <a:schemeClr val="accent2">
+                <a:lumMod val="45000"/>
+                <a:lumOff val="55000"/>
+              </a:schemeClr>
+            </a:gs>
+            <a:gs pos="83000">
+              <a:schemeClr val="accent2">
+                <a:lumMod val="45000"/>
+                <a:lumOff val="55000"/>
+              </a:schemeClr>
+            </a:gs>
+            <a:gs pos="100000">
+              <a:schemeClr val="accent2">
+                <a:lumMod val="30000"/>
+                <a:lumOff val="70000"/>
+              </a:schemeClr>
+            </a:gs>
+          </a:gsLst>
+          <a:lin ang="5400000" scaled="1"/>
+        </a:gradFill>
+        <a:effectLst/>
+      </p:bgPr>
+    </p:bg>
     <p:spTree>
       <p:nvGrpSpPr>
         <p:cNvPr id="1" name="">
@@ -11887,6 +12446,40 @@
 <file path=ppt/slides/slide3.xml><?xml version="1.0" encoding="utf-8"?>
 <p:sld xmlns:a="http://schemas.openxmlformats.org/drawingml/2006/main" xmlns:r="http://schemas.openxmlformats.org/officeDocument/2006/relationships" xmlns:p="http://schemas.openxmlformats.org/presentationml/2006/main">
   <p:cSld>
+    <p:bg>
+      <p:bgPr>
+        <a:gradFill>
+          <a:gsLst>
+            <a:gs pos="0">
+              <a:schemeClr val="accent2">
+                <a:lumMod val="5000"/>
+                <a:lumOff val="95000"/>
+              </a:schemeClr>
+            </a:gs>
+            <a:gs pos="74000">
+              <a:schemeClr val="accent2">
+                <a:lumMod val="45000"/>
+                <a:lumOff val="55000"/>
+              </a:schemeClr>
+            </a:gs>
+            <a:gs pos="83000">
+              <a:schemeClr val="accent2">
+                <a:lumMod val="45000"/>
+                <a:lumOff val="55000"/>
+              </a:schemeClr>
+            </a:gs>
+            <a:gs pos="100000">
+              <a:schemeClr val="accent2">
+                <a:lumMod val="30000"/>
+                <a:lumOff val="70000"/>
+              </a:schemeClr>
+            </a:gs>
+          </a:gsLst>
+          <a:lin ang="5400000" scaled="1"/>
+        </a:gradFill>
+        <a:effectLst/>
+      </p:bgPr>
+    </p:bg>
     <p:spTree>
       <p:nvGrpSpPr>
         <p:cNvPr id="1" name=""/>
@@ -11993,6 +12586,40 @@
 <file path=ppt/slides/slide4.xml><?xml version="1.0" encoding="utf-8"?>
 <p:sld xmlns:a="http://schemas.openxmlformats.org/drawingml/2006/main" xmlns:r="http://schemas.openxmlformats.org/officeDocument/2006/relationships" xmlns:p="http://schemas.openxmlformats.org/presentationml/2006/main">
   <p:cSld>
+    <p:bg>
+      <p:bgPr>
+        <a:gradFill>
+          <a:gsLst>
+            <a:gs pos="0">
+              <a:schemeClr val="accent2">
+                <a:lumMod val="5000"/>
+                <a:lumOff val="95000"/>
+              </a:schemeClr>
+            </a:gs>
+            <a:gs pos="74000">
+              <a:schemeClr val="accent2">
+                <a:lumMod val="45000"/>
+                <a:lumOff val="55000"/>
+              </a:schemeClr>
+            </a:gs>
+            <a:gs pos="83000">
+              <a:schemeClr val="accent2">
+                <a:lumMod val="45000"/>
+                <a:lumOff val="55000"/>
+              </a:schemeClr>
+            </a:gs>
+            <a:gs pos="100000">
+              <a:schemeClr val="accent2">
+                <a:lumMod val="30000"/>
+                <a:lumOff val="70000"/>
+              </a:schemeClr>
+            </a:gs>
+          </a:gsLst>
+          <a:lin ang="5400000" scaled="1"/>
+        </a:gradFill>
+        <a:effectLst/>
+      </p:bgPr>
+    </p:bg>
     <p:spTree>
       <p:nvGrpSpPr>
         <p:cNvPr id="1" name=""/>
@@ -12135,6 +12762,40 @@
 <file path=ppt/slides/slide5.xml><?xml version="1.0" encoding="utf-8"?>
 <p:sld xmlns:a="http://schemas.openxmlformats.org/drawingml/2006/main" xmlns:r="http://schemas.openxmlformats.org/officeDocument/2006/relationships" xmlns:p="http://schemas.openxmlformats.org/presentationml/2006/main">
   <p:cSld>
+    <p:bg>
+      <p:bgPr>
+        <a:gradFill>
+          <a:gsLst>
+            <a:gs pos="0">
+              <a:schemeClr val="accent2">
+                <a:lumMod val="5000"/>
+                <a:lumOff val="95000"/>
+              </a:schemeClr>
+            </a:gs>
+            <a:gs pos="74000">
+              <a:schemeClr val="accent2">
+                <a:lumMod val="45000"/>
+                <a:lumOff val="55000"/>
+              </a:schemeClr>
+            </a:gs>
+            <a:gs pos="83000">
+              <a:schemeClr val="accent2">
+                <a:lumMod val="45000"/>
+                <a:lumOff val="55000"/>
+              </a:schemeClr>
+            </a:gs>
+            <a:gs pos="100000">
+              <a:schemeClr val="accent2">
+                <a:lumMod val="30000"/>
+                <a:lumOff val="70000"/>
+              </a:schemeClr>
+            </a:gs>
+          </a:gsLst>
+          <a:lin ang="5400000" scaled="1"/>
+        </a:gradFill>
+        <a:effectLst/>
+      </p:bgPr>
+    </p:bg>
     <p:spTree>
       <p:nvGrpSpPr>
         <p:cNvPr id="1" name=""/>
@@ -12273,6 +12934,40 @@
 <file path=ppt/slides/slide6.xml><?xml version="1.0" encoding="utf-8"?>
 <p:sld xmlns:a="http://schemas.openxmlformats.org/drawingml/2006/main" xmlns:r="http://schemas.openxmlformats.org/officeDocument/2006/relationships" xmlns:p="http://schemas.openxmlformats.org/presentationml/2006/main">
   <p:cSld>
+    <p:bg>
+      <p:bgPr>
+        <a:gradFill>
+          <a:gsLst>
+            <a:gs pos="0">
+              <a:schemeClr val="accent2">
+                <a:lumMod val="5000"/>
+                <a:lumOff val="95000"/>
+              </a:schemeClr>
+            </a:gs>
+            <a:gs pos="74000">
+              <a:schemeClr val="accent2">
+                <a:lumMod val="45000"/>
+                <a:lumOff val="55000"/>
+              </a:schemeClr>
+            </a:gs>
+            <a:gs pos="83000">
+              <a:schemeClr val="accent2">
+                <a:lumMod val="45000"/>
+                <a:lumOff val="55000"/>
+              </a:schemeClr>
+            </a:gs>
+            <a:gs pos="100000">
+              <a:schemeClr val="accent2">
+                <a:lumMod val="30000"/>
+                <a:lumOff val="70000"/>
+              </a:schemeClr>
+            </a:gs>
+          </a:gsLst>
+          <a:lin ang="5400000" scaled="1"/>
+        </a:gradFill>
+        <a:effectLst/>
+      </p:bgPr>
+    </p:bg>
     <p:spTree>
       <p:nvGrpSpPr>
         <p:cNvPr id="1" name=""/>
@@ -12393,6 +13088,40 @@
 <file path=ppt/slides/slide7.xml><?xml version="1.0" encoding="utf-8"?>
 <p:sld xmlns:a="http://schemas.openxmlformats.org/drawingml/2006/main" xmlns:r="http://schemas.openxmlformats.org/officeDocument/2006/relationships" xmlns:p="http://schemas.openxmlformats.org/presentationml/2006/main">
   <p:cSld>
+    <p:bg>
+      <p:bgPr>
+        <a:gradFill>
+          <a:gsLst>
+            <a:gs pos="0">
+              <a:schemeClr val="accent2">
+                <a:lumMod val="5000"/>
+                <a:lumOff val="95000"/>
+              </a:schemeClr>
+            </a:gs>
+            <a:gs pos="74000">
+              <a:schemeClr val="accent2">
+                <a:lumMod val="45000"/>
+                <a:lumOff val="55000"/>
+              </a:schemeClr>
+            </a:gs>
+            <a:gs pos="83000">
+              <a:schemeClr val="accent2">
+                <a:lumMod val="45000"/>
+                <a:lumOff val="55000"/>
+              </a:schemeClr>
+            </a:gs>
+            <a:gs pos="100000">
+              <a:schemeClr val="accent2">
+                <a:lumMod val="30000"/>
+                <a:lumOff val="70000"/>
+              </a:schemeClr>
+            </a:gs>
+          </a:gsLst>
+          <a:lin ang="5400000" scaled="1"/>
+        </a:gradFill>
+        <a:effectLst/>
+      </p:bgPr>
+    </p:bg>
     <p:spTree>
       <p:nvGrpSpPr>
         <p:cNvPr id="1" name=""/>
@@ -12457,7 +13186,14 @@
           <a:lstStyle/>
           <a:p>
             <a:r>
-              <a:rPr lang="en-US" dirty="0"/>
+              <a:rPr lang="en-US" dirty="0">
+                <a:solidFill>
+                  <a:schemeClr val="tx1">
+                    <a:lumMod val="85000"/>
+                    <a:lumOff val="15000"/>
+                  </a:schemeClr>
+                </a:solidFill>
+              </a:rPr>
               <a:t>Get to know the Microsoft Learn site</a:t>
             </a:r>
           </a:p>
@@ -12479,6 +13215,40 @@
 <file path=ppt/slides/slide8.xml><?xml version="1.0" encoding="utf-8"?>
 <p:sld xmlns:a="http://schemas.openxmlformats.org/drawingml/2006/main" xmlns:r="http://schemas.openxmlformats.org/officeDocument/2006/relationships" xmlns:p="http://schemas.openxmlformats.org/presentationml/2006/main">
   <p:cSld>
+    <p:bg>
+      <p:bgPr>
+        <a:gradFill>
+          <a:gsLst>
+            <a:gs pos="0">
+              <a:schemeClr val="accent2">
+                <a:lumMod val="5000"/>
+                <a:lumOff val="95000"/>
+              </a:schemeClr>
+            </a:gs>
+            <a:gs pos="74000">
+              <a:schemeClr val="accent2">
+                <a:lumMod val="45000"/>
+                <a:lumOff val="55000"/>
+              </a:schemeClr>
+            </a:gs>
+            <a:gs pos="83000">
+              <a:schemeClr val="accent2">
+                <a:lumMod val="45000"/>
+                <a:lumOff val="55000"/>
+              </a:schemeClr>
+            </a:gs>
+            <a:gs pos="100000">
+              <a:schemeClr val="accent2">
+                <a:lumMod val="30000"/>
+                <a:lumOff val="70000"/>
+              </a:schemeClr>
+            </a:gs>
+          </a:gsLst>
+          <a:lin ang="5400000" scaled="1"/>
+        </a:gradFill>
+        <a:effectLst/>
+      </p:bgPr>
+    </p:bg>
     <p:spTree>
       <p:nvGrpSpPr>
         <p:cNvPr id="1" name=""/>
@@ -12597,6 +13367,40 @@
 <file path=ppt/slides/slide9.xml><?xml version="1.0" encoding="utf-8"?>
 <p:sld xmlns:a="http://schemas.openxmlformats.org/drawingml/2006/main" xmlns:r="http://schemas.openxmlformats.org/officeDocument/2006/relationships" xmlns:p="http://schemas.openxmlformats.org/presentationml/2006/main">
   <p:cSld>
+    <p:bg>
+      <p:bgPr>
+        <a:gradFill>
+          <a:gsLst>
+            <a:gs pos="0">
+              <a:schemeClr val="accent2">
+                <a:lumMod val="5000"/>
+                <a:lumOff val="95000"/>
+              </a:schemeClr>
+            </a:gs>
+            <a:gs pos="74000">
+              <a:schemeClr val="accent2">
+                <a:lumMod val="45000"/>
+                <a:lumOff val="55000"/>
+              </a:schemeClr>
+            </a:gs>
+            <a:gs pos="83000">
+              <a:schemeClr val="accent2">
+                <a:lumMod val="45000"/>
+                <a:lumOff val="55000"/>
+              </a:schemeClr>
+            </a:gs>
+            <a:gs pos="100000">
+              <a:schemeClr val="accent2">
+                <a:lumMod val="30000"/>
+                <a:lumOff val="70000"/>
+              </a:schemeClr>
+            </a:gs>
+          </a:gsLst>
+          <a:lin ang="5400000" scaled="1"/>
+        </a:gradFill>
+        <a:effectLst/>
+      </p:bgPr>
+    </p:bg>
     <p:spTree>
       <p:nvGrpSpPr>
         <p:cNvPr id="1" name=""/>
@@ -12661,7 +13465,14 @@
           <a:lstStyle/>
           <a:p>
             <a:r>
-              <a:rPr lang="en-US" dirty="0"/>
+              <a:rPr lang="en-US" dirty="0">
+                <a:solidFill>
+                  <a:schemeClr val="tx1">
+                    <a:lumMod val="85000"/>
+                    <a:lumOff val="15000"/>
+                  </a:schemeClr>
+                </a:solidFill>
+              </a:rPr>
               <a:t>Issues, Feedback, and Pull Requests</a:t>
             </a:r>
           </a:p>
